--- a/_site/content/Week07/lab.pptx
+++ b/_site/content/Week07/lab.pptx
@@ -5142,6 +5142,10 @@
             <a:pPr lvl="0" indent="0" marL="1270000">
               <a:buNone/>
             </a:pPr>
+            <a:r>
+              <a:rPr sz="2000" b="1"/>
+              <a:t>None</a:t>
+            </a:r>
           </a:p>
           <a:p>
             <a:pPr lvl="0"/>
